--- a/JSP PPT/第11章 基于JSP的数据库应用开发.pptx
+++ b/JSP PPT/第11章 基于JSP的数据库应用开发.pptx
@@ -11255,10 +11255,9 @@
             <a:buChar char="•"/>
           </a:pPr>
           <a:r>
-            <a:rPr lang="zh-CN" sz="2400" kern="1200" dirty="0"/>
+            <a:rPr lang="zh-CN" altLang="en-US" sz="2400" kern="1200" dirty="0"/>
             <a:t>为什么要使用数据库连接池？</a:t>
           </a:r>
-          <a:endParaRPr lang="zh-CN" altLang="en-US" sz="2400" kern="1200" dirty="0"/>
         </a:p>
       </dsp:txBody>
       <dsp:txXfrm rot="-5400000">
@@ -11417,10 +11416,9 @@
             <a:buChar char="•"/>
           </a:pPr>
           <a:r>
-            <a:rPr lang="zh-CN" sz="2400" kern="1200" dirty="0"/>
+            <a:rPr lang="zh-CN" altLang="en-US" sz="2400" kern="1200" dirty="0"/>
             <a:t>选择合适的数据库管理软件实现一个简单的留言板。</a:t>
           </a:r>
-          <a:endParaRPr lang="zh-CN" altLang="en-US" sz="2400" kern="1200" dirty="0"/>
         </a:p>
       </dsp:txBody>
       <dsp:txXfrm rot="-5400000">
@@ -24356,7 +24354,7 @@
           <a:p>
             <a:fld id="{530820CF-B880-4189-942D-D702A7CBA730}" type="datetimeFigureOut">
               <a:rPr lang="zh-CN" altLang="en-US" smtClean="0"/>
-              <a:t>2019/10/15</a:t>
+              <a:t>2019/10/24</a:t>
             </a:fld>
             <a:endParaRPr lang="zh-CN" altLang="en-US"/>
           </a:p>
@@ -24521,7 +24519,7 @@
           <a:p>
             <a:fld id="{530820CF-B880-4189-942D-D702A7CBA730}" type="datetimeFigureOut">
               <a:rPr lang="zh-CN" altLang="en-US" smtClean="0"/>
-              <a:t>2019/10/15</a:t>
+              <a:t>2019/10/24</a:t>
             </a:fld>
             <a:endParaRPr lang="zh-CN" altLang="en-US"/>
           </a:p>
@@ -24696,7 +24694,7 @@
           <a:p>
             <a:fld id="{530820CF-B880-4189-942D-D702A7CBA730}" type="datetimeFigureOut">
               <a:rPr lang="zh-CN" altLang="en-US" smtClean="0"/>
-              <a:t>2019/10/15</a:t>
+              <a:t>2019/10/24</a:t>
             </a:fld>
             <a:endParaRPr lang="zh-CN" altLang="en-US"/>
           </a:p>
@@ -24879,7 +24877,7 @@
           <a:p>
             <a:fld id="{530820CF-B880-4189-942D-D702A7CBA730}" type="datetimeFigureOut">
               <a:rPr lang="zh-CN" altLang="en-US" smtClean="0"/>
-              <a:t>2019/10/15</a:t>
+              <a:t>2019/10/24</a:t>
             </a:fld>
             <a:endParaRPr lang="zh-CN" altLang="en-US"/>
           </a:p>
@@ -25141,7 +25139,7 @@
           <a:p>
             <a:fld id="{530820CF-B880-4189-942D-D702A7CBA730}" type="datetimeFigureOut">
               <a:rPr lang="zh-CN" altLang="en-US" smtClean="0"/>
-              <a:t>2019/10/15</a:t>
+              <a:t>2019/10/24</a:t>
             </a:fld>
             <a:endParaRPr lang="zh-CN" altLang="en-US"/>
           </a:p>
@@ -25489,7 +25487,7 @@
           <a:p>
             <a:fld id="{530820CF-B880-4189-942D-D702A7CBA730}" type="datetimeFigureOut">
               <a:rPr lang="zh-CN" altLang="en-US" smtClean="0"/>
-              <a:t>2019/10/15</a:t>
+              <a:t>2019/10/24</a:t>
             </a:fld>
             <a:endParaRPr lang="zh-CN" altLang="en-US"/>
           </a:p>
@@ -25797,7 +25795,7 @@
           <a:p>
             <a:fld id="{530820CF-B880-4189-942D-D702A7CBA730}" type="datetimeFigureOut">
               <a:rPr lang="zh-CN" altLang="en-US" smtClean="0"/>
-              <a:t>2019/10/15</a:t>
+              <a:t>2019/10/24</a:t>
             </a:fld>
             <a:endParaRPr lang="zh-CN" altLang="en-US"/>
           </a:p>
@@ -26024,7 +26022,7 @@
           <a:p>
             <a:fld id="{530820CF-B880-4189-942D-D702A7CBA730}" type="datetimeFigureOut">
               <a:rPr lang="zh-CN" altLang="en-US" smtClean="0"/>
-              <a:t>2019/10/15</a:t>
+              <a:t>2019/10/24</a:t>
             </a:fld>
             <a:endParaRPr lang="zh-CN" altLang="en-US"/>
           </a:p>
@@ -26114,7 +26112,7 @@
           <a:p>
             <a:fld id="{530820CF-B880-4189-942D-D702A7CBA730}" type="datetimeFigureOut">
               <a:rPr lang="zh-CN" altLang="en-US" smtClean="0"/>
-              <a:t>2019/10/15</a:t>
+              <a:t>2019/10/24</a:t>
             </a:fld>
             <a:endParaRPr lang="zh-CN" altLang="en-US"/>
           </a:p>
@@ -26402,7 +26400,7 @@
           <a:p>
             <a:fld id="{530820CF-B880-4189-942D-D702A7CBA730}" type="datetimeFigureOut">
               <a:rPr lang="zh-CN" altLang="en-US" smtClean="0"/>
-              <a:t>2019/10/15</a:t>
+              <a:t>2019/10/24</a:t>
             </a:fld>
             <a:endParaRPr lang="zh-CN" altLang="en-US"/>
           </a:p>
@@ -26671,7 +26669,7 @@
           <a:p>
             <a:fld id="{530820CF-B880-4189-942D-D702A7CBA730}" type="datetimeFigureOut">
               <a:rPr lang="zh-CN" altLang="en-US" smtClean="0"/>
-              <a:t>2019/10/15</a:t>
+              <a:t>2019/10/24</a:t>
             </a:fld>
             <a:endParaRPr lang="zh-CN" altLang="en-US"/>
           </a:p>
@@ -26881,7 +26879,7 @@
           <a:p>
             <a:fld id="{530820CF-B880-4189-942D-D702A7CBA730}" type="datetimeFigureOut">
               <a:rPr lang="zh-CN" altLang="en-US" smtClean="0"/>
-              <a:t>2019/10/15</a:t>
+              <a:t>2019/10/24</a:t>
             </a:fld>
             <a:endParaRPr lang="zh-CN" altLang="en-US"/>
           </a:p>
@@ -27401,7 +27399,13 @@
       </p:grpSpPr>
       <p:sp>
         <p:nvSpPr>
-          <p:cNvPr id="2" name="标题 1"/>
+          <p:cNvPr id="11" name="标题 1">
+            <a:extLst>
+              <a:ext uri="{FF2B5EF4-FFF2-40B4-BE49-F238E27FC236}">
+                <a16:creationId xmlns:a16="http://schemas.microsoft.com/office/drawing/2014/main" id="{BD4A9EDE-ECC0-47A2-A867-97E6A28BF1A1}"/>
+              </a:ext>
+            </a:extLst>
+          </p:cNvPr>
           <p:cNvSpPr>
             <a:spLocks noGrp="1"/>
           </p:cNvSpPr>
@@ -27420,24 +27424,23 @@
           <a:lstStyle/>
           <a:p>
             <a:r>
-              <a:rPr lang="en-US" altLang="zh-CN" sz="3600" dirty="0"/>
-              <a:t>《</a:t>
-            </a:r>
-            <a:r>
-              <a:rPr lang="zh-CN" altLang="en-US" sz="3600" dirty="0"/>
+              <a:rPr lang="zh-CN" altLang="en-US" sz="4400" dirty="0">
+                <a:latin typeface="+mj-ea"/>
+              </a:rPr>
               <a:t>商务网站设计与开发</a:t>
             </a:r>
-            <a:r>
-              <a:rPr lang="en-US" altLang="zh-CN" sz="3600" dirty="0"/>
-              <a:t>》</a:t>
-            </a:r>
-            <a:endParaRPr lang="zh-CN" altLang="en-US" sz="3600" dirty="0"/>
           </a:p>
         </p:txBody>
       </p:sp>
       <p:sp>
         <p:nvSpPr>
-          <p:cNvPr id="3" name="副标题 2"/>
+          <p:cNvPr id="12" name="副标题 2">
+            <a:extLst>
+              <a:ext uri="{FF2B5EF4-FFF2-40B4-BE49-F238E27FC236}">
+                <a16:creationId xmlns:a16="http://schemas.microsoft.com/office/drawing/2014/main" id="{837DB720-9E7D-4D08-B830-7A2450D3CCA7}"/>
+              </a:ext>
+            </a:extLst>
+          </p:cNvPr>
           <p:cNvSpPr>
             <a:spLocks noGrp="1"/>
           </p:cNvSpPr>
@@ -27445,33 +27448,68 @@
             <p:ph type="subTitle" idx="1"/>
           </p:nvPr>
         </p:nvSpPr>
-        <p:spPr/>
+        <p:spPr>
+          <a:xfrm>
+            <a:off x="1371600" y="3505072"/>
+            <a:ext cx="6400800" cy="596458"/>
+          </a:xfrm>
+        </p:spPr>
         <p:txBody>
           <a:bodyPr>
-            <a:normAutofit fontScale="77500" lnSpcReduction="20000"/>
+            <a:normAutofit/>
           </a:bodyPr>
           <a:lstStyle/>
           <a:p>
-            <a:r>
-              <a:rPr lang="zh-CN" altLang="en-US" dirty="0"/>
-              <a:t>温浩宇  李慧</a:t>
-            </a:r>
-            <a:endParaRPr lang="en-US" altLang="zh-CN" dirty="0"/>
-          </a:p>
-          <a:p>
-            <a:endParaRPr lang="en-US" altLang="zh-CN" dirty="0"/>
-          </a:p>
-          <a:p>
-            <a:r>
-              <a:rPr lang="zh-CN" altLang="en-US" dirty="0"/>
-              <a:t>西安电子科技大学</a:t>
-            </a:r>
+            <a:pPr>
+              <a:spcBef>
+                <a:spcPct val="0"/>
+              </a:spcBef>
+            </a:pPr>
+            <a:r>
+              <a:rPr lang="zh-CN" altLang="en-US" sz="3200" dirty="0">
+                <a:solidFill>
+                  <a:schemeClr val="tx2"/>
+                </a:solidFill>
+                <a:effectLst>
+                  <a:outerShdw blurRad="63500" dist="38100" dir="5400000" algn="t" rotWithShape="0">
+                    <a:prstClr val="black">
+                      <a:alpha val="25000"/>
+                    </a:prstClr>
+                  </a:outerShdw>
+                </a:effectLst>
+                <a:latin typeface="+mj-ea"/>
+                <a:ea typeface="+mj-ea"/>
+                <a:cs typeface="+mj-cs"/>
+              </a:rPr>
+              <a:t>温浩宇</a:t>
+            </a:r>
+            <a:endParaRPr lang="zh-CN" altLang="en-US" sz="3600" dirty="0">
+              <a:solidFill>
+                <a:schemeClr val="tx2"/>
+              </a:solidFill>
+              <a:effectLst>
+                <a:outerShdw blurRad="63500" dist="38100" dir="5400000" algn="t" rotWithShape="0">
+                  <a:prstClr val="black">
+                    <a:alpha val="25000"/>
+                  </a:prstClr>
+                </a:outerShdw>
+              </a:effectLst>
+              <a:latin typeface="+mj-ea"/>
+              <a:ea typeface="+mj-ea"/>
+              <a:cs typeface="+mj-cs"/>
+            </a:endParaRPr>
           </a:p>
         </p:txBody>
       </p:sp>
       <p:pic>
         <p:nvPicPr>
-          <p:cNvPr id="2051" name="Picture 3"/>
+          <p:cNvPr id="13" name="Picture 3">
+            <a:extLst>
+              <a:ext uri="{FF2B5EF4-FFF2-40B4-BE49-F238E27FC236}">
+                <a16:creationId xmlns:a16="http://schemas.microsoft.com/office/drawing/2014/main" id="{88793839-E2DA-4DCA-91B2-BCCE0ED30F68}"/>
+              </a:ext>
+            </a:extLst>
+          </p:cNvPr>
           <p:cNvPicPr>
             <a:picLocks noChangeAspect="1" noChangeArrowheads="1"/>
           </p:cNvPicPr>
@@ -27492,7 +27530,7 @@
         </p:blipFill>
         <p:spPr bwMode="auto">
           <a:xfrm>
-            <a:off x="3440155" y="1723319"/>
+            <a:off x="3203848" y="2225080"/>
             <a:ext cx="792815" cy="1080120"/>
           </a:xfrm>
           <a:prstGeom prst="rect">
@@ -27525,7 +27563,13 @@
       </p:pic>
       <p:sp>
         <p:nvSpPr>
-          <p:cNvPr id="6" name="标题 1"/>
+          <p:cNvPr id="14" name="标题 1">
+            <a:extLst>
+              <a:ext uri="{FF2B5EF4-FFF2-40B4-BE49-F238E27FC236}">
+                <a16:creationId xmlns:a16="http://schemas.microsoft.com/office/drawing/2014/main" id="{94BE08F3-2AA7-41B0-8179-411314E2F961}"/>
+              </a:ext>
+            </a:extLst>
+          </p:cNvPr>
           <p:cNvSpPr txBox="1">
             <a:spLocks/>
           </p:cNvSpPr>
@@ -27533,7 +27577,7 @@
         </p:nvSpPr>
         <p:spPr>
           <a:xfrm>
-            <a:off x="683568" y="3003798"/>
+            <a:off x="685800" y="1428750"/>
             <a:ext cx="7772400" cy="596458"/>
           </a:xfrm>
           <a:prstGeom prst="rect">
@@ -27572,23 +27616,33 @@
           </a:lstStyle>
           <a:p>
             <a:r>
-              <a:rPr lang="zh-CN" altLang="en-US" sz="3600" dirty="0"/>
+              <a:rPr lang="zh-CN" altLang="en-US" sz="3200" dirty="0">
+                <a:latin typeface="+mj-ea"/>
+              </a:rPr>
               <a:t>第</a:t>
             </a:r>
             <a:r>
-              <a:rPr lang="en-US" altLang="zh-CN" sz="3600" dirty="0"/>
+              <a:rPr lang="en-US" altLang="zh-CN" sz="3200" dirty="0">
+                <a:latin typeface="+mj-ea"/>
+              </a:rPr>
               <a:t>11</a:t>
             </a:r>
             <a:r>
-              <a:rPr lang="zh-CN" altLang="en-US" sz="3600" dirty="0"/>
+              <a:rPr lang="zh-CN" altLang="en-US" sz="3200" dirty="0">
+                <a:latin typeface="+mj-ea"/>
+              </a:rPr>
               <a:t>章 基于</a:t>
             </a:r>
             <a:r>
-              <a:rPr lang="en-US" altLang="zh-CN" sz="3600" dirty="0"/>
+              <a:rPr lang="en-US" altLang="zh-CN" sz="3200" dirty="0">
+                <a:latin typeface="+mj-ea"/>
+              </a:rPr>
               <a:t>JSP</a:t>
             </a:r>
             <a:r>
-              <a:rPr lang="zh-CN" altLang="en-US" sz="3600" dirty="0"/>
+              <a:rPr lang="zh-CN" altLang="en-US" sz="3200" dirty="0">
+                <a:latin typeface="+mj-ea"/>
+              </a:rPr>
               <a:t>的数据库应用开发</a:t>
             </a:r>
           </a:p>
@@ -27596,7 +27650,13 @@
       </p:sp>
       <p:pic>
         <p:nvPicPr>
-          <p:cNvPr id="7" name="Picture 2" descr="https://timgsa.baidu.com/timg?image&amp;quality=80&amp;size=b9999_10000&amp;sec=1493707801922&amp;di=a778f19d7f0d1e13a6f35b73b9469273&amp;imgtype=0&amp;src=http%3A%2F%2Fpic.baike.soso.com%2Fp%2F20120826%2Fbki-20120826090810-1627753076.jpg"/>
+          <p:cNvPr id="15" name="Picture 2" descr="https://timgsa.baidu.com/timg?image&amp;quality=80&amp;size=b9999_10000&amp;sec=1493707801922&amp;di=a778f19d7f0d1e13a6f35b73b9469273&amp;imgtype=0&amp;src=http%3A%2F%2Fpic.baike.soso.com%2Fp%2F20120826%2Fbki-20120826090810-1627753076.jpg">
+            <a:extLst>
+              <a:ext uri="{FF2B5EF4-FFF2-40B4-BE49-F238E27FC236}">
+                <a16:creationId xmlns:a16="http://schemas.microsoft.com/office/drawing/2014/main" id="{DD3E324D-FDE3-481F-B5CB-4E81766A2CBB}"/>
+              </a:ext>
+            </a:extLst>
+          </p:cNvPr>
           <p:cNvPicPr>
             <a:picLocks noChangeAspect="1" noChangeArrowheads="1"/>
           </p:cNvPicPr>
@@ -27617,7 +27677,7 @@
         </p:blipFill>
         <p:spPr bwMode="auto">
           <a:xfrm>
-            <a:off x="4860032" y="1636161"/>
+            <a:off x="4788024" y="2137922"/>
             <a:ext cx="1254435" cy="1254435"/>
           </a:xfrm>
           <a:prstGeom prst="rect">
@@ -27635,6 +27695,215 @@
           </a:extLst>
         </p:spPr>
       </p:pic>
+      <p:sp>
+        <p:nvSpPr>
+          <p:cNvPr id="16" name="副标题 2">
+            <a:extLst>
+              <a:ext uri="{FF2B5EF4-FFF2-40B4-BE49-F238E27FC236}">
+                <a16:creationId xmlns:a16="http://schemas.microsoft.com/office/drawing/2014/main" id="{512D0D68-B99F-4273-80D2-C06E82DD92F6}"/>
+              </a:ext>
+            </a:extLst>
+          </p:cNvPr>
+          <p:cNvSpPr txBox="1">
+            <a:spLocks/>
+          </p:cNvSpPr>
+          <p:nvPr/>
+        </p:nvSpPr>
+        <p:spPr>
+          <a:xfrm>
+            <a:off x="1371600" y="4169278"/>
+            <a:ext cx="6400800" cy="641426"/>
+          </a:xfrm>
+          <a:prstGeom prst="rect">
+            <a:avLst/>
+          </a:prstGeom>
+        </p:spPr>
+        <p:txBody>
+          <a:bodyPr vert="horz" lIns="91440" tIns="45720" rIns="91440" bIns="45720" rtlCol="0">
+            <a:normAutofit/>
+          </a:bodyPr>
+          <a:lstStyle>
+            <a:lvl1pPr marL="0" indent="0" algn="ctr" defTabSz="914400" rtl="0" eaLnBrk="1" latinLnBrk="0" hangingPunct="1">
+              <a:spcBef>
+                <a:spcPct val="20000"/>
+              </a:spcBef>
+              <a:buFont typeface="Arial" pitchFamily="34" charset="0"/>
+              <a:buNone/>
+              <a:defRPr sz="2400" kern="1200">
+                <a:solidFill>
+                  <a:schemeClr val="tx1">
+                    <a:tint val="75000"/>
+                  </a:schemeClr>
+                </a:solidFill>
+                <a:latin typeface="+mj-lt"/>
+                <a:ea typeface="+mn-ea"/>
+                <a:cs typeface="+mn-cs"/>
+              </a:defRPr>
+            </a:lvl1pPr>
+            <a:lvl2pPr marL="457200" indent="0" algn="ctr" defTabSz="914400" rtl="0" eaLnBrk="1" latinLnBrk="0" hangingPunct="1">
+              <a:spcBef>
+                <a:spcPct val="20000"/>
+              </a:spcBef>
+              <a:buFont typeface="Courier New" pitchFamily="49" charset="0"/>
+              <a:buNone/>
+              <a:defRPr sz="1600" kern="1200">
+                <a:solidFill>
+                  <a:schemeClr val="tx1">
+                    <a:tint val="75000"/>
+                  </a:schemeClr>
+                </a:solidFill>
+                <a:latin typeface="+mj-lt"/>
+                <a:ea typeface="+mn-ea"/>
+                <a:cs typeface="+mn-cs"/>
+              </a:defRPr>
+            </a:lvl2pPr>
+            <a:lvl3pPr marL="914400" indent="0" algn="ctr" defTabSz="914400" rtl="0" eaLnBrk="1" latinLnBrk="0" hangingPunct="1">
+              <a:spcBef>
+                <a:spcPct val="20000"/>
+              </a:spcBef>
+              <a:buFont typeface="Arial" pitchFamily="34" charset="0"/>
+              <a:buNone/>
+              <a:defRPr sz="1600" kern="1200">
+                <a:solidFill>
+                  <a:schemeClr val="tx1">
+                    <a:tint val="75000"/>
+                  </a:schemeClr>
+                </a:solidFill>
+                <a:latin typeface="+mj-lt"/>
+                <a:ea typeface="+mn-ea"/>
+                <a:cs typeface="+mn-cs"/>
+              </a:defRPr>
+            </a:lvl3pPr>
+            <a:lvl4pPr marL="1371600" indent="0" algn="ctr" defTabSz="914400" rtl="0" eaLnBrk="1" latinLnBrk="0" hangingPunct="1">
+              <a:spcBef>
+                <a:spcPct val="20000"/>
+              </a:spcBef>
+              <a:buFont typeface="Courier New" pitchFamily="49" charset="0"/>
+              <a:buNone/>
+              <a:defRPr sz="1600" kern="1200">
+                <a:solidFill>
+                  <a:schemeClr val="tx1">
+                    <a:tint val="75000"/>
+                  </a:schemeClr>
+                </a:solidFill>
+                <a:latin typeface="+mj-lt"/>
+                <a:ea typeface="+mn-ea"/>
+                <a:cs typeface="+mn-cs"/>
+              </a:defRPr>
+            </a:lvl4pPr>
+            <a:lvl5pPr marL="1828800" indent="0" algn="ctr" defTabSz="914400" rtl="0" eaLnBrk="1" latinLnBrk="0" hangingPunct="1">
+              <a:spcBef>
+                <a:spcPct val="20000"/>
+              </a:spcBef>
+              <a:buFont typeface="Arial" pitchFamily="34" charset="0"/>
+              <a:buNone/>
+              <a:defRPr sz="1600" kern="1200">
+                <a:solidFill>
+                  <a:schemeClr val="tx1">
+                    <a:tint val="75000"/>
+                  </a:schemeClr>
+                </a:solidFill>
+                <a:latin typeface="+mj-lt"/>
+                <a:ea typeface="+mn-ea"/>
+                <a:cs typeface="+mn-cs"/>
+              </a:defRPr>
+            </a:lvl5pPr>
+            <a:lvl6pPr marL="2286000" indent="0" algn="ctr" defTabSz="914400" rtl="0" eaLnBrk="1" latinLnBrk="0" hangingPunct="1">
+              <a:spcBef>
+                <a:spcPct val="20000"/>
+              </a:spcBef>
+              <a:buFont typeface="Courier New" pitchFamily="49" charset="0"/>
+              <a:buNone/>
+              <a:defRPr sz="1600" kern="1200">
+                <a:solidFill>
+                  <a:schemeClr val="tx1">
+                    <a:tint val="75000"/>
+                  </a:schemeClr>
+                </a:solidFill>
+                <a:latin typeface="+mj-lt"/>
+                <a:ea typeface="+mn-ea"/>
+                <a:cs typeface="+mn-cs"/>
+              </a:defRPr>
+            </a:lvl6pPr>
+            <a:lvl7pPr marL="2743200" indent="0" algn="ctr" defTabSz="914400" rtl="0" eaLnBrk="1" latinLnBrk="0" hangingPunct="1">
+              <a:spcBef>
+                <a:spcPct val="20000"/>
+              </a:spcBef>
+              <a:buFont typeface="Arial" pitchFamily="34" charset="0"/>
+              <a:buNone/>
+              <a:defRPr sz="1600" kern="1200">
+                <a:solidFill>
+                  <a:schemeClr val="tx1">
+                    <a:tint val="75000"/>
+                  </a:schemeClr>
+                </a:solidFill>
+                <a:latin typeface="+mj-lt"/>
+                <a:ea typeface="+mn-ea"/>
+                <a:cs typeface="+mn-cs"/>
+              </a:defRPr>
+            </a:lvl7pPr>
+            <a:lvl8pPr marL="3200400" indent="0" algn="ctr" defTabSz="914400" rtl="0" eaLnBrk="1" latinLnBrk="0" hangingPunct="1">
+              <a:spcBef>
+                <a:spcPct val="20000"/>
+              </a:spcBef>
+              <a:buFont typeface="Courier New" pitchFamily="49" charset="0"/>
+              <a:buNone/>
+              <a:defRPr sz="1600" kern="1200">
+                <a:solidFill>
+                  <a:schemeClr val="tx1">
+                    <a:tint val="75000"/>
+                  </a:schemeClr>
+                </a:solidFill>
+                <a:latin typeface="+mj-lt"/>
+                <a:ea typeface="+mn-ea"/>
+                <a:cs typeface="+mn-cs"/>
+              </a:defRPr>
+            </a:lvl8pPr>
+            <a:lvl9pPr marL="3657600" indent="0" algn="ctr" defTabSz="914400" rtl="0" eaLnBrk="1" latinLnBrk="0" hangingPunct="1">
+              <a:spcBef>
+                <a:spcPct val="20000"/>
+              </a:spcBef>
+              <a:buFont typeface="Arial" pitchFamily="34" charset="0"/>
+              <a:buNone/>
+              <a:defRPr sz="1600" kern="1200">
+                <a:solidFill>
+                  <a:schemeClr val="tx1">
+                    <a:tint val="75000"/>
+                  </a:schemeClr>
+                </a:solidFill>
+                <a:latin typeface="+mj-lt"/>
+                <a:ea typeface="+mn-ea"/>
+                <a:cs typeface="+mn-cs"/>
+              </a:defRPr>
+            </a:lvl9pPr>
+          </a:lstStyle>
+          <a:p>
+            <a:pPr>
+              <a:spcBef>
+                <a:spcPct val="0"/>
+              </a:spcBef>
+            </a:pPr>
+            <a:r>
+              <a:rPr lang="zh-CN" altLang="en-US" sz="3600" dirty="0">
+                <a:solidFill>
+                  <a:schemeClr val="tx2"/>
+                </a:solidFill>
+                <a:effectLst>
+                  <a:outerShdw blurRad="63500" dist="38100" dir="5400000" algn="t" rotWithShape="0">
+                    <a:prstClr val="black">
+                      <a:alpha val="25000"/>
+                    </a:prstClr>
+                  </a:outerShdw>
+                </a:effectLst>
+                <a:latin typeface="+mj-ea"/>
+                <a:ea typeface="+mj-ea"/>
+                <a:cs typeface="+mj-cs"/>
+              </a:rPr>
+              <a:t>西安电子科技大学</a:t>
+            </a:r>
+          </a:p>
+        </p:txBody>
+      </p:sp>
     </p:spTree>
     <p:extLst>
       <p:ext uri="{BB962C8B-B14F-4D97-AF65-F5344CB8AC3E}">
@@ -29012,7 +29281,7 @@
           <a:graphicData uri="http://schemas.openxmlformats.org/presentationml/2006/ole">
             <mc:AlternateContent xmlns:mc="http://schemas.openxmlformats.org/markup-compatibility/2006">
               <mc:Choice xmlns:v="urn:schemas-microsoft-com:vml" Requires="v">
-                <p:oleObj spid="_x0000_s17428" name="Visio" r:id="rId3" imgW="3814791" imgH="2130266" progId="Visio.Drawing.11">
+                <p:oleObj spid="_x0000_s17429" name="Visio" r:id="rId3" imgW="3814791" imgH="2130266" progId="Visio.Drawing.11">
                   <p:embed/>
                 </p:oleObj>
               </mc:Choice>
